--- a/Диплом/Презентация/презентация Курнаев.pptx
+++ b/Диплом/Презентация/презентация Курнаев.pptx
@@ -7041,7 +7041,7 @@
                 <a:latin typeface="Times New Roman" panose="02020603050405020304" pitchFamily="18" charset="0"/>
                 <a:cs typeface="Times New Roman" panose="02020603050405020304" pitchFamily="18" charset="0"/>
               </a:rPr>
-              <a:t>Целью дипломной работы является разработка программного обеспечения для проведения эргономической оценки кабины самолета. ПО реализует тесты PVT для анализа скорости реакции и психомоторной бдительности пилотов, а также методику NASA-TLX для оценки субъективной рабочей нагрузки. Система обеспечивает автоматизацию сбора данных, их обработку и визуализацию результатов, предоставляя удобный инструмент для анализа когнитивной и физической нагрузки на пилотов.</a:t>
+              <a:t>Целью дипломной работы является разработка программного обеспечения для проведения эргономической оценки кабины самолета. ПО реализует тесты PVT для анализа скорости реакции и психомоторной бдительности пилотов, а также методику NASA-TLX для оценки субъективной рабочей нагрузки. Система обеспечивает автоматизацию сбора данных, их обработку и визуализацию результатов, предоставляя удобный инструмент для анализа когнитивной и физической нагрузки на пилотов. </a:t>
             </a:r>
             <a:endParaRPr lang="en-US" sz="2000" dirty="0">
               <a:latin typeface="Times New Roman" panose="02020603050405020304" pitchFamily="18" charset="0"/>
@@ -7475,8 +7475,8 @@
         </p:nvSpPr>
         <p:spPr>
           <a:xfrm>
-            <a:off x="457200" y="4094838"/>
-            <a:ext cx="4572000" cy="2031325"/>
+            <a:off x="395536" y="1831856"/>
+            <a:ext cx="8291264" cy="2644955"/>
           </a:xfrm>
           <a:prstGeom prst="rect">
             <a:avLst/>
@@ -7489,59 +7489,125 @@
           </a:bodyPr>
           <a:lstStyle/>
           <a:p>
-            <a:r>
-              <a:rPr lang="ru-RU" b="1" dirty="0"/>
-              <a:t>Название:</a:t>
-            </a:r>
-            <a:r>
-              <a:rPr lang="ru-RU" dirty="0"/>
-              <a:t> Обзор используемых методик</a:t>
-            </a:r>
-            <a:br>
-              <a:rPr lang="ru-RU" dirty="0"/>
-            </a:br>
-            <a:r>
-              <a:rPr lang="ru-RU" b="1" dirty="0"/>
-              <a:t>Содержимое:</a:t>
-            </a:r>
-            <a:endParaRPr lang="ru-RU" dirty="0"/>
-          </a:p>
-          <a:p>
-            <a:pPr>
-              <a:buFont typeface="Arial" panose="020B0604020202020204" pitchFamily="34" charset="0"/>
-              <a:buChar char="•"/>
+            <a:pPr marL="342900" lvl="0" indent="-342900" algn="just">
+              <a:lnSpc>
+                <a:spcPct val="150000"/>
+              </a:lnSpc>
+              <a:spcAft>
+                <a:spcPts val="800"/>
+              </a:spcAft>
+              <a:buSzPts val="1000"/>
+              <a:buFont typeface="Symbol" panose="05050102010706020507" pitchFamily="18" charset="2"/>
+              <a:buChar char=""/>
+              <a:tabLst>
+                <a:tab pos="457200" algn="l"/>
+              </a:tabLst>
             </a:pPr>
             <a:r>
-              <a:rPr lang="ru-RU" b="1" dirty="0"/>
-              <a:t>PVT:</a:t>
-            </a:r>
-            <a:r>
-              <a:rPr lang="ru-RU" dirty="0"/>
-              <a:t> тест скорости реакции и психомоторной бдительности.</a:t>
-            </a:r>
-          </a:p>
-          <a:p>
-            <a:pPr>
-              <a:buFont typeface="Arial" panose="020B0604020202020204" pitchFamily="34" charset="0"/>
-              <a:buChar char="•"/>
+              <a:rPr lang="ru-RU" sz="1800" b="1" kern="100" dirty="0">
+                <a:effectLst/>
+                <a:latin typeface="Calibri" panose="020F0502020204030204" pitchFamily="34" charset="0"/>
+                <a:ea typeface="Calibri" panose="020F0502020204030204" pitchFamily="34" charset="0"/>
+                <a:cs typeface="Times New Roman" panose="02020603050405020304" pitchFamily="18" charset="0"/>
+              </a:rPr>
+              <a:t>PVT (</a:t>
+            </a:r>
+            <a:r>
+              <a:rPr lang="ru-RU" sz="1800" b="1" kern="100" dirty="0" err="1">
+                <a:effectLst/>
+                <a:latin typeface="Calibri" panose="020F0502020204030204" pitchFamily="34" charset="0"/>
+                <a:ea typeface="Calibri" panose="020F0502020204030204" pitchFamily="34" charset="0"/>
+                <a:cs typeface="Times New Roman" panose="02020603050405020304" pitchFamily="18" charset="0"/>
+              </a:rPr>
+              <a:t>Psychomotor</a:t>
+            </a:r>
+            <a:r>
+              <a:rPr lang="ru-RU" sz="1800" b="1" kern="100" dirty="0">
+                <a:effectLst/>
+                <a:latin typeface="Calibri" panose="020F0502020204030204" pitchFamily="34" charset="0"/>
+                <a:ea typeface="Calibri" panose="020F0502020204030204" pitchFamily="34" charset="0"/>
+                <a:cs typeface="Times New Roman" panose="02020603050405020304" pitchFamily="18" charset="0"/>
+              </a:rPr>
+              <a:t> </a:t>
+            </a:r>
+            <a:r>
+              <a:rPr lang="ru-RU" sz="1800" b="1" kern="100" dirty="0" err="1">
+                <a:effectLst/>
+                <a:latin typeface="Calibri" panose="020F0502020204030204" pitchFamily="34" charset="0"/>
+                <a:ea typeface="Calibri" panose="020F0502020204030204" pitchFamily="34" charset="0"/>
+                <a:cs typeface="Times New Roman" panose="02020603050405020304" pitchFamily="18" charset="0"/>
+              </a:rPr>
+              <a:t>Vigilance</a:t>
+            </a:r>
+            <a:r>
+              <a:rPr lang="ru-RU" sz="1800" b="1" kern="100" dirty="0">
+                <a:effectLst/>
+                <a:latin typeface="Calibri" panose="020F0502020204030204" pitchFamily="34" charset="0"/>
+                <a:ea typeface="Calibri" panose="020F0502020204030204" pitchFamily="34" charset="0"/>
+                <a:cs typeface="Times New Roman" panose="02020603050405020304" pitchFamily="18" charset="0"/>
+              </a:rPr>
+              <a:t> Task):</a:t>
+            </a:r>
+            <a:r>
+              <a:rPr lang="ru-RU" sz="1800" kern="100" dirty="0">
+                <a:effectLst/>
+                <a:latin typeface="Calibri" panose="020F0502020204030204" pitchFamily="34" charset="0"/>
+                <a:ea typeface="Calibri" panose="020F0502020204030204" pitchFamily="34" charset="0"/>
+                <a:cs typeface="Times New Roman" panose="02020603050405020304" pitchFamily="18" charset="0"/>
+              </a:rPr>
+              <a:t> метод измеряет скорость реакции оператора на визуальные стимулы, что позволяет оценить его психомоторную бдительность и усталость.</a:t>
+            </a:r>
+          </a:p>
+          <a:p>
+            <a:pPr marL="342900" lvl="0" indent="-342900" algn="just">
+              <a:lnSpc>
+                <a:spcPct val="150000"/>
+              </a:lnSpc>
+              <a:spcAft>
+                <a:spcPts val="800"/>
+              </a:spcAft>
+              <a:buSzPts val="1000"/>
+              <a:buFont typeface="Symbol" panose="05050102010706020507" pitchFamily="18" charset="2"/>
+              <a:buChar char=""/>
+              <a:tabLst>
+                <a:tab pos="457200" algn="l"/>
+              </a:tabLst>
             </a:pPr>
             <a:r>
-              <a:rPr lang="ru-RU" b="1" dirty="0"/>
-              <a:t>NASA-TLX:</a:t>
-            </a:r>
-            <a:r>
-              <a:rPr lang="ru-RU" dirty="0"/>
-              <a:t> оценка субъективной рабочей нагрузки.</a:t>
-            </a:r>
-          </a:p>
-          <a:p>
-            <a:pPr>
-              <a:buFont typeface="Arial" panose="020B0604020202020204" pitchFamily="34" charset="0"/>
-              <a:buChar char="•"/>
-            </a:pPr>
-            <a:r>
-              <a:rPr lang="ru-RU" dirty="0"/>
-              <a:t>Их применение в авиации и преимущества.</a:t>
+              <a:rPr lang="ru-RU" sz="1800" b="1" kern="100" dirty="0">
+                <a:effectLst/>
+                <a:latin typeface="Calibri" panose="020F0502020204030204" pitchFamily="34" charset="0"/>
+                <a:ea typeface="Calibri" panose="020F0502020204030204" pitchFamily="34" charset="0"/>
+                <a:cs typeface="Times New Roman" panose="02020603050405020304" pitchFamily="18" charset="0"/>
+              </a:rPr>
+              <a:t>NASA-TLX (Task </a:t>
+            </a:r>
+            <a:r>
+              <a:rPr lang="ru-RU" sz="1800" b="1" kern="100" dirty="0" err="1">
+                <a:effectLst/>
+                <a:latin typeface="Calibri" panose="020F0502020204030204" pitchFamily="34" charset="0"/>
+                <a:ea typeface="Calibri" panose="020F0502020204030204" pitchFamily="34" charset="0"/>
+                <a:cs typeface="Times New Roman" panose="02020603050405020304" pitchFamily="18" charset="0"/>
+              </a:rPr>
+              <a:t>Load</a:t>
+            </a:r>
+            <a:r>
+              <a:rPr lang="ru-RU" sz="1800" b="1" kern="100" dirty="0">
+                <a:effectLst/>
+                <a:latin typeface="Calibri" panose="020F0502020204030204" pitchFamily="34" charset="0"/>
+                <a:ea typeface="Calibri" panose="020F0502020204030204" pitchFamily="34" charset="0"/>
+                <a:cs typeface="Times New Roman" panose="02020603050405020304" pitchFamily="18" charset="0"/>
+              </a:rPr>
+              <a:t> Index):</a:t>
+            </a:r>
+            <a:r>
+              <a:rPr lang="ru-RU" sz="1800" kern="100" dirty="0">
+                <a:effectLst/>
+                <a:latin typeface="Calibri" panose="020F0502020204030204" pitchFamily="34" charset="0"/>
+                <a:ea typeface="Calibri" panose="020F0502020204030204" pitchFamily="34" charset="0"/>
+                <a:cs typeface="Times New Roman" panose="02020603050405020304" pitchFamily="18" charset="0"/>
+              </a:rPr>
+              <a:t> методика субъективной оценки рабочей нагрузки, которая включает шкалы умственной и физической нагрузки, временного давления и других факторов.</a:t>
             </a:r>
           </a:p>
         </p:txBody>
@@ -7748,42 +7814,6 @@
           </a:p>
         </p:txBody>
       </p:sp>
-      <p:pic>
-        <p:nvPicPr>
-          <p:cNvPr id="16" name="Рисунок 15" descr="Изображение выглядит как текст, снимок экрана, диаграмма, линия&#10;&#10;Автоматически созданное описание">
-            <a:extLst>
-              <a:ext uri="{FF2B5EF4-FFF2-40B4-BE49-F238E27FC236}">
-                <a16:creationId xmlns:a16="http://schemas.microsoft.com/office/drawing/2014/main" id="{1F94AEDC-822D-65B7-1E57-9EB13AE8E137}"/>
-              </a:ext>
-            </a:extLst>
-          </p:cNvPr>
-          <p:cNvPicPr>
-            <a:picLocks noChangeAspect="1"/>
-          </p:cNvPicPr>
-          <p:nvPr/>
-        </p:nvPicPr>
-        <p:blipFill>
-          <a:blip r:embed="rId2" cstate="print">
-            <a:extLst>
-              <a:ext uri="{28A0092B-C50C-407E-A947-70E740481C1C}">
-                <a14:useLocalDpi xmlns:a14="http://schemas.microsoft.com/office/drawing/2010/main" val="0"/>
-              </a:ext>
-            </a:extLst>
-          </a:blip>
-          <a:stretch>
-            <a:fillRect/>
-          </a:stretch>
-        </p:blipFill>
-        <p:spPr>
-          <a:xfrm>
-            <a:off x="4301684" y="3072634"/>
-            <a:ext cx="4385116" cy="3274960"/>
-          </a:xfrm>
-          <a:prstGeom prst="rect">
-            <a:avLst/>
-          </a:prstGeom>
-        </p:spPr>
-      </p:pic>
     </p:spTree>
     <p:extLst>
       <p:ext uri="{BB962C8B-B14F-4D97-AF65-F5344CB8AC3E}">

--- a/Диплом/Презентация/презентация Курнаев.pptx
+++ b/Диплом/Презентация/презентация Курнаев.pptx
@@ -5,7 +5,7 @@
     <p:sldMasterId id="2147483648" r:id="rId1"/>
   </p:sldMasterIdLst>
   <p:notesMasterIdLst>
-    <p:notesMasterId r:id="rId18"/>
+    <p:notesMasterId r:id="rId17"/>
   </p:notesMasterIdLst>
   <p:sldIdLst>
     <p:sldId id="256" r:id="rId2"/>
@@ -22,8 +22,7 @@
     <p:sldId id="284" r:id="rId13"/>
     <p:sldId id="286" r:id="rId14"/>
     <p:sldId id="270" r:id="rId15"/>
-    <p:sldId id="287" r:id="rId16"/>
-    <p:sldId id="271" r:id="rId17"/>
+    <p:sldId id="271" r:id="rId16"/>
   </p:sldIdLst>
   <p:sldSz cx="9144000" cy="6858000" type="screen4x3"/>
   <p:notesSz cx="6858000" cy="9144000"/>
@@ -145,7 +144,6 @@
         <p14:section name="Раздел без заголовка" id="{527FC60F-F40D-46B7-9980-583011EB7746}">
           <p14:sldIdLst>
             <p14:sldId id="270"/>
-            <p14:sldId id="287"/>
             <p14:sldId id="271"/>
           </p14:sldIdLst>
         </p14:section>
@@ -10365,7 +10363,7 @@
           <a:p>
             <a:fld id="{CEEE53A6-6A73-4C2C-933D-2A50EAF26E83}" type="datetimeFigureOut">
               <a:rPr lang="ru-RU" smtClean="0"/>
-              <a:t>08.01.2025</a:t>
+              <a:t>09.01.2025</a:t>
             </a:fld>
             <a:endParaRPr lang="ru-RU"/>
           </a:p>
@@ -10811,7 +10809,7 @@
           <a:p>
             <a:fld id="{D4FFA7B7-AE5A-4D83-AB8B-C2450B01BD89}" type="datetime1">
               <a:rPr lang="ru-RU" smtClean="0"/>
-              <a:t>08.01.2025</a:t>
+              <a:t>09.01.2025</a:t>
             </a:fld>
             <a:endParaRPr lang="ru-RU"/>
           </a:p>
@@ -10974,7 +10972,7 @@
           <a:p>
             <a:fld id="{784152ED-6F52-4DF7-B37F-72D10FD69CD3}" type="datetime1">
               <a:rPr lang="ru-RU" smtClean="0"/>
-              <a:t>08.01.2025</a:t>
+              <a:t>09.01.2025</a:t>
             </a:fld>
             <a:endParaRPr lang="ru-RU"/>
           </a:p>
@@ -11147,7 +11145,7 @@
           <a:p>
             <a:fld id="{328BDE59-0209-42AE-8CEE-4496675A30A4}" type="datetime1">
               <a:rPr lang="ru-RU" smtClean="0"/>
-              <a:t>08.01.2025</a:t>
+              <a:t>09.01.2025</a:t>
             </a:fld>
             <a:endParaRPr lang="ru-RU"/>
           </a:p>
@@ -11310,7 +11308,7 @@
           <a:p>
             <a:fld id="{FD514211-C034-4FA7-9428-9172B1A194B4}" type="datetime1">
               <a:rPr lang="ru-RU" smtClean="0"/>
-              <a:t>08.01.2025</a:t>
+              <a:t>09.01.2025</a:t>
             </a:fld>
             <a:endParaRPr lang="ru-RU"/>
           </a:p>
@@ -11550,7 +11548,7 @@
           <a:p>
             <a:fld id="{E3A3E886-F46B-4038-9694-86ED4C48BB8F}" type="datetime1">
               <a:rPr lang="ru-RU" smtClean="0"/>
-              <a:t>08.01.2025</a:t>
+              <a:t>09.01.2025</a:t>
             </a:fld>
             <a:endParaRPr lang="ru-RU"/>
           </a:p>
@@ -11830,7 +11828,7 @@
           <a:p>
             <a:fld id="{8AA06A81-C53F-465D-8398-8167CB5D769B}" type="datetime1">
               <a:rPr lang="ru-RU" smtClean="0"/>
-              <a:t>08.01.2025</a:t>
+              <a:t>09.01.2025</a:t>
             </a:fld>
             <a:endParaRPr lang="ru-RU"/>
           </a:p>
@@ -12244,7 +12242,7 @@
           <a:p>
             <a:fld id="{38D0E27B-406C-4F91-AEA0-36DC22F83F87}" type="datetime1">
               <a:rPr lang="ru-RU" smtClean="0"/>
-              <a:t>08.01.2025</a:t>
+              <a:t>09.01.2025</a:t>
             </a:fld>
             <a:endParaRPr lang="ru-RU"/>
           </a:p>
@@ -12356,7 +12354,7 @@
           <a:p>
             <a:fld id="{11CB0E06-3C4C-4AD8-BD93-A1AE8AB55DC4}" type="datetime1">
               <a:rPr lang="ru-RU" smtClean="0"/>
-              <a:t>08.01.2025</a:t>
+              <a:t>09.01.2025</a:t>
             </a:fld>
             <a:endParaRPr lang="ru-RU"/>
           </a:p>
@@ -12446,7 +12444,7 @@
           <a:p>
             <a:fld id="{33D8FEDF-778D-4B04-9D34-51AE9C345153}" type="datetime1">
               <a:rPr lang="ru-RU" smtClean="0"/>
-              <a:t>08.01.2025</a:t>
+              <a:t>09.01.2025</a:t>
             </a:fld>
             <a:endParaRPr lang="ru-RU"/>
           </a:p>
@@ -12716,7 +12714,7 @@
           <a:p>
             <a:fld id="{54C84671-9D55-47EA-AD45-031619948EFB}" type="datetime1">
               <a:rPr lang="ru-RU" smtClean="0"/>
-              <a:t>08.01.2025</a:t>
+              <a:t>09.01.2025</a:t>
             </a:fld>
             <a:endParaRPr lang="ru-RU"/>
           </a:p>
@@ -12963,7 +12961,7 @@
           <a:p>
             <a:fld id="{849CF7DF-BEBA-4746-8805-AB224F6D047A}" type="datetime1">
               <a:rPr lang="ru-RU" smtClean="0"/>
-              <a:t>08.01.2025</a:t>
+              <a:t>09.01.2025</a:t>
             </a:fld>
             <a:endParaRPr lang="ru-RU"/>
           </a:p>
@@ -13169,7 +13167,7 @@
           <a:p>
             <a:fld id="{5E79E07B-9DED-4EEB-9C34-49485B2DFA0A}" type="datetime1">
               <a:rPr lang="ru-RU" smtClean="0"/>
-              <a:t>08.01.2025</a:t>
+              <a:t>09.01.2025</a:t>
             </a:fld>
             <a:endParaRPr lang="ru-RU"/>
           </a:p>
@@ -14559,7 +14557,7 @@
                 <a:latin typeface="Times New Roman" panose="02020603050405020304" pitchFamily="18" charset="0"/>
                 <a:cs typeface="Times New Roman" panose="02020603050405020304" pitchFamily="18" charset="0"/>
               </a:rPr>
-              <a:t>Шаг №1</a:t>
+              <a:t>Шаг № 1</a:t>
             </a:r>
           </a:p>
         </p:txBody>
@@ -14737,7 +14735,7 @@
                 <a:latin typeface="Times New Roman" panose="02020603050405020304" pitchFamily="18" charset="0"/>
                 <a:cs typeface="Times New Roman" panose="02020603050405020304" pitchFamily="18" charset="0"/>
               </a:rPr>
-              <a:t>Шаг №2</a:t>
+              <a:t>Шаг № 2</a:t>
             </a:r>
           </a:p>
         </p:txBody>
@@ -14915,7 +14913,7 @@
                 <a:latin typeface="Times New Roman" panose="02020603050405020304" pitchFamily="18" charset="0"/>
                 <a:cs typeface="Times New Roman" panose="02020603050405020304" pitchFamily="18" charset="0"/>
               </a:rPr>
-              <a:t>Шаг№3</a:t>
+              <a:t>Шаг № 3</a:t>
             </a:r>
           </a:p>
         </p:txBody>
@@ -15093,7 +15091,7 @@
                 <a:latin typeface="Times New Roman" panose="02020603050405020304" pitchFamily="18" charset="0"/>
                 <a:cs typeface="Times New Roman" panose="02020603050405020304" pitchFamily="18" charset="0"/>
               </a:rPr>
-              <a:t>Шаг№4</a:t>
+              <a:t>Шаг № 4</a:t>
             </a:r>
           </a:p>
         </p:txBody>
@@ -15592,8 +15590,8 @@
           </a:p>
         </p:txBody>
       </p:sp>
-      <mc:AlternateContent xmlns:mc="http://schemas.openxmlformats.org/markup-compatibility/2006">
-        <mc:Choice xmlns:a14="http://schemas.microsoft.com/office/drawing/2010/main" Requires="a14">
+      <mc:AlternateContent xmlns:mc="http://schemas.openxmlformats.org/markup-compatibility/2006" xmlns:a14="http://schemas.microsoft.com/office/drawing/2010/main">
+        <mc:Choice Requires="a14">
           <p:sp>
             <p:nvSpPr>
               <p:cNvPr id="7" name="Объект 6">
@@ -16325,7 +16323,7 @@
             </p:txBody>
           </p:sp>
         </mc:Choice>
-        <mc:Fallback>
+        <mc:Fallback xmlns="">
           <p:sp>
             <p:nvSpPr>
               <p:cNvPr id="7" name="Объект 6">
@@ -16682,7 +16680,7 @@
                 <a:latin typeface="Times New Roman" panose="02020603050405020304" pitchFamily="18" charset="0"/>
                 <a:cs typeface="Times New Roman" panose="02020603050405020304" pitchFamily="18" charset="0"/>
               </a:rPr>
-              <a:t>Шаг №1</a:t>
+              <a:t>Шаг № 1</a:t>
             </a:r>
           </a:p>
         </p:txBody>
@@ -16860,7 +16858,7 @@
                 <a:latin typeface="Times New Roman" panose="02020603050405020304" pitchFamily="18" charset="0"/>
                 <a:cs typeface="Times New Roman" panose="02020603050405020304" pitchFamily="18" charset="0"/>
               </a:rPr>
-              <a:t>Шаг №2</a:t>
+              <a:t>Шаг № 2</a:t>
             </a:r>
           </a:p>
         </p:txBody>
@@ -17038,7 +17036,7 @@
                 <a:latin typeface="Times New Roman" panose="02020603050405020304" pitchFamily="18" charset="0"/>
                 <a:cs typeface="Times New Roman" panose="02020603050405020304" pitchFamily="18" charset="0"/>
               </a:rPr>
-              <a:t>Шаг№3</a:t>
+              <a:t>Шаг № 3</a:t>
             </a:r>
           </a:p>
         </p:txBody>
@@ -17216,7 +17214,7 @@
                 <a:latin typeface="Times New Roman" panose="02020603050405020304" pitchFamily="18" charset="0"/>
                 <a:cs typeface="Times New Roman" panose="02020603050405020304" pitchFamily="18" charset="0"/>
               </a:rPr>
-              <a:t>Шаг№4</a:t>
+              <a:t>Шаг № 4</a:t>
             </a:r>
           </a:p>
         </p:txBody>
@@ -17395,7 +17393,7 @@
                 <a:ea typeface="Times New Roman"/>
                 <a:cs typeface="Times New Roman"/>
               </a:rPr>
-              <a:t>Выводы по дипломной работе</a:t>
+              <a:t>Основные результаты дипломной работы</a:t>
             </a:r>
             <a:endParaRPr lang="en-US" sz="3000" b="1" dirty="0">
               <a:solidFill>
@@ -17421,7 +17419,7 @@
         <p:spPr/>
         <p:txBody>
           <a:bodyPr>
-            <a:normAutofit fontScale="92500"/>
+            <a:normAutofit lnSpcReduction="10000"/>
           </a:bodyPr>
           <a:lstStyle/>
           <a:p>
@@ -17440,7 +17438,7 @@
                 <a:ea typeface="Aptos" panose="020B0004020202020204" pitchFamily="34" charset="0"/>
                 <a:cs typeface="Times New Roman" panose="02020603050405020304" pitchFamily="18" charset="0"/>
               </a:rPr>
-              <a:t>Сформулированы требования к системе эргономической оценки кабины самолета;</a:t>
+              <a:t>Сформулированы требования к системе эргономической оценки кабины самолета</a:t>
             </a:r>
           </a:p>
           <a:p>
@@ -17459,7 +17457,7 @@
                 <a:ea typeface="Aptos" panose="020B0004020202020204" pitchFamily="34" charset="0"/>
                 <a:cs typeface="Times New Roman" panose="02020603050405020304" pitchFamily="18" charset="0"/>
               </a:rPr>
-              <a:t>Проведен анализ существующих решений и обоснован выбор стека технологий для реализации тестов PVT и NASA-TLX;</a:t>
+              <a:t>Проведен анализ существующих решений и обоснован выбор стека технологий для реализации тестов PVT и NASA-TLX</a:t>
             </a:r>
           </a:p>
           <a:p>
@@ -17478,7 +17476,7 @@
                 <a:ea typeface="Aptos" panose="020B0004020202020204" pitchFamily="34" charset="0"/>
                 <a:cs typeface="Times New Roman" panose="02020603050405020304" pitchFamily="18" charset="0"/>
               </a:rPr>
-              <a:t>Разработаны ключевые модули системы, включая проведение тестов психомоторной бдительности (PVT) и субъективной оценки рабочей нагрузки (NASA-TLX);</a:t>
+              <a:t>Разработаны ключевые модули системы, включая проведение тестов психомоторной бдительности (PVT) и субъективной оценки рабочей нагрузки (NASA-TLX)</a:t>
             </a:r>
           </a:p>
           <a:p>
@@ -17497,7 +17495,7 @@
                 <a:ea typeface="Aptos" panose="020B0004020202020204" pitchFamily="34" charset="0"/>
                 <a:cs typeface="Times New Roman" panose="02020603050405020304" pitchFamily="18" charset="0"/>
               </a:rPr>
-              <a:t>Создан графический пользовательский интерфейс (GUI), обеспечивающий интуитивно понятное взаимодействие с системой и визуализацию результатов;</a:t>
+              <a:t>Создан графический пользовательский интерфейс (GUI), обеспечивающий интуитивно понятное взаимодействие с системой и визуализацию результатов</a:t>
             </a:r>
           </a:p>
           <a:p>
@@ -17516,7 +17514,7 @@
                 <a:ea typeface="Aptos" panose="020B0004020202020204" pitchFamily="34" charset="0"/>
                 <a:cs typeface="Times New Roman" panose="02020603050405020304" pitchFamily="18" charset="0"/>
               </a:rPr>
-              <a:t>Проведено тестирование разработанной системы, подтвердившее корректность ее работы и соответствие поставленным требованиям.</a:t>
+              <a:t>Проведено тестирование разработанной системы, подтвердившее корректность ее работы и соответствие поставленным требованиям</a:t>
             </a:r>
           </a:p>
         </p:txBody>
@@ -17558,156 +17556,6 @@
 </file>
 
 <file path=ppt/slides/slide15.xml><?xml version="1.0" encoding="utf-8"?>
-<p:sld xmlns:a="http://schemas.openxmlformats.org/drawingml/2006/main" xmlns:r="http://schemas.openxmlformats.org/officeDocument/2006/relationships" xmlns:p="http://schemas.openxmlformats.org/presentationml/2006/main">
-  <p:cSld>
-    <p:spTree>
-      <p:nvGrpSpPr>
-        <p:cNvPr id="1" name="">
-          <a:extLst>
-            <a:ext uri="{FF2B5EF4-FFF2-40B4-BE49-F238E27FC236}">
-              <a16:creationId xmlns:a16="http://schemas.microsoft.com/office/drawing/2014/main" id="{705D1504-744C-A433-FCC1-D67B5241E6F0}"/>
-            </a:ext>
-          </a:extLst>
-        </p:cNvPr>
-        <p:cNvGrpSpPr/>
-        <p:nvPr/>
-      </p:nvGrpSpPr>
-      <p:grpSpPr>
-        <a:xfrm>
-          <a:off x="0" y="0"/>
-          <a:ext cx="0" cy="0"/>
-          <a:chOff x="0" y="0"/>
-          <a:chExt cx="0" cy="0"/>
-        </a:xfrm>
-      </p:grpSpPr>
-      <p:sp>
-        <p:nvSpPr>
-          <p:cNvPr id="2" name="Заголовок 1">
-            <a:extLst>
-              <a:ext uri="{FF2B5EF4-FFF2-40B4-BE49-F238E27FC236}">
-                <a16:creationId xmlns:a16="http://schemas.microsoft.com/office/drawing/2014/main" id="{7A81BC4D-B603-75DA-A28D-A5AB432F6EDF}"/>
-              </a:ext>
-            </a:extLst>
-          </p:cNvPr>
-          <p:cNvSpPr>
-            <a:spLocks noGrp="1"/>
-          </p:cNvSpPr>
-          <p:nvPr>
-            <p:ph type="title"/>
-          </p:nvPr>
-        </p:nvSpPr>
-        <p:spPr/>
-        <p:txBody>
-          <a:bodyPr/>
-          <a:lstStyle/>
-          <a:p>
-            <a:r>
-              <a:rPr lang="ru-RU" sz="3000" b="1" dirty="0">
-                <a:solidFill>
-                  <a:srgbClr val="0070C0"/>
-                </a:solidFill>
-                <a:latin typeface="Times New Roman"/>
-                <a:cs typeface="Times New Roman"/>
-              </a:rPr>
-              <a:t>Заключение</a:t>
-            </a:r>
-            <a:endParaRPr lang="en-US" sz="3000" b="1" dirty="0">
-              <a:solidFill>
-                <a:srgbClr val="0070C0"/>
-              </a:solidFill>
-              <a:latin typeface="Times New Roman"/>
-              <a:ea typeface="Times New Roman"/>
-              <a:cs typeface="Times New Roman"/>
-            </a:endParaRPr>
-          </a:p>
-        </p:txBody>
-      </p:sp>
-      <p:sp>
-        <p:nvSpPr>
-          <p:cNvPr id="3" name="Объект 2">
-            <a:extLst>
-              <a:ext uri="{FF2B5EF4-FFF2-40B4-BE49-F238E27FC236}">
-                <a16:creationId xmlns:a16="http://schemas.microsoft.com/office/drawing/2014/main" id="{9C3ADA8D-048C-671E-D863-4926EF4F16C5}"/>
-              </a:ext>
-            </a:extLst>
-          </p:cNvPr>
-          <p:cNvSpPr>
-            <a:spLocks noGrp="1"/>
-          </p:cNvSpPr>
-          <p:nvPr>
-            <p:ph idx="1"/>
-          </p:nvPr>
-        </p:nvSpPr>
-        <p:spPr/>
-        <p:txBody>
-          <a:bodyPr>
-            <a:normAutofit/>
-          </a:bodyPr>
-          <a:lstStyle/>
-          <a:p>
-            <a:pPr indent="0" algn="just">
-              <a:lnSpc>
-                <a:spcPct val="150000"/>
-              </a:lnSpc>
-              <a:buNone/>
-            </a:pPr>
-            <a:r>
-              <a:rPr lang="ru-RU" sz="1800" dirty="0">
-                <a:solidFill>
-                  <a:schemeClr val="tx1"/>
-                </a:solidFill>
-                <a:effectLst/>
-                <a:latin typeface="Times New Roman" panose="02020603050405020304" pitchFamily="18" charset="0"/>
-                <a:cs typeface="Times New Roman" panose="02020603050405020304" pitchFamily="18" charset="0"/>
-              </a:rPr>
-              <a:t>	Реализация данной системы в будущем позволит эффективно анализировать эргономические характеристики кабины самолета, снизить число ошибок, связанных с человеческим фактором, и повысить безопасность полетов, обеспечив оптимальные условия работы для пилотов в условиях высокой нагрузки.</a:t>
-            </a:r>
-          </a:p>
-        </p:txBody>
-      </p:sp>
-      <p:sp>
-        <p:nvSpPr>
-          <p:cNvPr id="4" name="Номер слайда 3">
-            <a:extLst>
-              <a:ext uri="{FF2B5EF4-FFF2-40B4-BE49-F238E27FC236}">
-                <a16:creationId xmlns:a16="http://schemas.microsoft.com/office/drawing/2014/main" id="{659EF881-3EF5-8AD6-315B-3C389AEC4595}"/>
-              </a:ext>
-            </a:extLst>
-          </p:cNvPr>
-          <p:cNvSpPr>
-            <a:spLocks noGrp="1"/>
-          </p:cNvSpPr>
-          <p:nvPr>
-            <p:ph type="sldNum" sz="quarter" idx="12"/>
-          </p:nvPr>
-        </p:nvSpPr>
-        <p:spPr/>
-        <p:txBody>
-          <a:bodyPr/>
-          <a:lstStyle/>
-          <a:p>
-            <a:fld id="{B19B0651-EE4F-4900-A07F-96A6BFA9D0F0}" type="slidenum">
-              <a:rPr lang="ru-RU" smtClean="0"/>
-              <a:t>15</a:t>
-            </a:fld>
-            <a:endParaRPr lang="ru-RU"/>
-          </a:p>
-        </p:txBody>
-      </p:sp>
-    </p:spTree>
-    <p:extLst>
-      <p:ext uri="{BB962C8B-B14F-4D97-AF65-F5344CB8AC3E}">
-        <p14:creationId xmlns:p14="http://schemas.microsoft.com/office/powerpoint/2010/main" val="2552298538"/>
-      </p:ext>
-    </p:extLst>
-  </p:cSld>
-  <p:clrMapOvr>
-    <a:masterClrMapping/>
-  </p:clrMapOvr>
-</p:sld>
-</file>
-
-<file path=ppt/slides/slide16.xml><?xml version="1.0" encoding="utf-8"?>
 <p:sld xmlns:a="http://schemas.openxmlformats.org/drawingml/2006/main" xmlns:r="http://schemas.openxmlformats.org/officeDocument/2006/relationships" xmlns:p="http://schemas.openxmlformats.org/presentationml/2006/main">
   <p:cSld>
     <p:spTree>
@@ -17928,7 +17776,7 @@
           <a:p>
             <a:fld id="{B19B0651-EE4F-4900-A07F-96A6BFA9D0F0}" type="slidenum">
               <a:rPr lang="ru-RU" smtClean="0"/>
-              <a:t>16</a:t>
+              <a:t>15</a:t>
             </a:fld>
             <a:endParaRPr lang="ru-RU"/>
           </a:p>
@@ -18381,23 +18229,7 @@
                 <a:cs typeface="Times New Roman"/>
                 <a:sym typeface="Arial"/>
               </a:rPr>
-              <a:t>Постановка</a:t>
-            </a:r>
-            <a:r>
-              <a:rPr lang="ru-RU" dirty="0"/>
-              <a:t> </a:t>
-            </a:r>
-            <a:r>
-              <a:rPr lang="ru-RU" sz="2800" b="1" dirty="0">
-                <a:solidFill>
-                  <a:srgbClr val="0070C0"/>
-                </a:solidFill>
-                <a:latin typeface="Times New Roman"/>
-                <a:ea typeface="Times New Roman"/>
-                <a:cs typeface="Times New Roman"/>
-                <a:sym typeface="Arial"/>
-              </a:rPr>
-              <a:t>задач</a:t>
+              <a:t>Задачи работы</a:t>
             </a:r>
             <a:endParaRPr lang="en-US" sz="2800" b="1" dirty="0">
               <a:solidFill>
@@ -18444,7 +18276,7 @@
                 <a:latin typeface="Times New Roman" panose="02020603050405020304" pitchFamily="18" charset="0"/>
                 <a:ea typeface="Calibri" panose="020F0502020204030204" pitchFamily="34" charset="0"/>
               </a:rPr>
-              <a:t>Сформировать требования к системе.</a:t>
+              <a:t>Сформировать требования к системе</a:t>
             </a:r>
           </a:p>
           <a:p>
@@ -18459,7 +18291,7 @@
                 <a:latin typeface="Times New Roman" panose="02020603050405020304" pitchFamily="18" charset="0"/>
                 <a:ea typeface="Calibri" panose="020F0502020204030204" pitchFamily="34" charset="0"/>
               </a:rPr>
-              <a:t>Выбор стека технологий для реализации ПО.</a:t>
+              <a:t>Выбор стека технологий для реализации ПО</a:t>
             </a:r>
           </a:p>
           <a:p>
@@ -18474,7 +18306,7 @@
                 <a:latin typeface="Times New Roman" panose="02020603050405020304" pitchFamily="18" charset="0"/>
                 <a:ea typeface="Calibri" panose="020F0502020204030204" pitchFamily="34" charset="0"/>
               </a:rPr>
-              <a:t>Разработать ключевые модули системы.</a:t>
+              <a:t>Разработать ключевые модули системы</a:t>
             </a:r>
           </a:p>
           <a:p>
@@ -18489,7 +18321,7 @@
                 <a:latin typeface="Times New Roman" panose="02020603050405020304" pitchFamily="18" charset="0"/>
                 <a:ea typeface="Calibri" panose="020F0502020204030204" pitchFamily="34" charset="0"/>
               </a:rPr>
-              <a:t>Создать графический пользовательский интерфейс.</a:t>
+              <a:t>Создать графический пользовательский интерфейс</a:t>
             </a:r>
           </a:p>
           <a:p>
@@ -18504,7 +18336,7 @@
                 <a:latin typeface="Times New Roman" panose="02020603050405020304" pitchFamily="18" charset="0"/>
                 <a:ea typeface="Calibri" panose="020F0502020204030204" pitchFamily="34" charset="0"/>
               </a:rPr>
-              <a:t>Обеспечить сохранение и управление данными.</a:t>
+              <a:t>Обеспечить сохранение и управление данными</a:t>
             </a:r>
           </a:p>
           <a:p>
@@ -18519,7 +18351,7 @@
                 <a:latin typeface="Times New Roman" panose="02020603050405020304" pitchFamily="18" charset="0"/>
                 <a:ea typeface="Calibri" panose="020F0502020204030204" pitchFamily="34" charset="0"/>
               </a:rPr>
-              <a:t>Провести интеграцию разработанной системы со стендом.</a:t>
+              <a:t>Провести интеграцию разработанной системы со стендом</a:t>
             </a:r>
           </a:p>
           <a:p>
@@ -18534,7 +18366,7 @@
                 <a:latin typeface="Times New Roman" panose="02020603050405020304" pitchFamily="18" charset="0"/>
                 <a:ea typeface="Calibri" panose="020F0502020204030204" pitchFamily="34" charset="0"/>
               </a:rPr>
-              <a:t>Провести тестирование разработанного приложения, подтверждающее корректность его работы. </a:t>
+              <a:t>Провести тестирование разработанного приложения, подтверждающее корректность его работы</a:t>
             </a:r>
           </a:p>
         </p:txBody>
@@ -18771,7 +18603,7 @@
                 <a:ea typeface="Calibri" panose="020F0502020204030204" pitchFamily="34" charset="0"/>
                 <a:cs typeface="Times New Roman" panose="02020603050405020304" pitchFamily="18" charset="0"/>
               </a:rPr>
-              <a:t> метод измеряет скорость реакции оператора на визуальные стимулы, что позволяет оценить его психомоторную бдительность и усталость.</a:t>
+              <a:t> метод измеряет скорость реакции оператора на визуальные стимулы, что позволяет оценить его психомоторную бдительность и усталость</a:t>
             </a:r>
           </a:p>
           <a:p>
@@ -18823,8 +18655,23 @@
                 <a:ea typeface="Calibri" panose="020F0502020204030204" pitchFamily="34" charset="0"/>
                 <a:cs typeface="Times New Roman" panose="02020603050405020304" pitchFamily="18" charset="0"/>
               </a:rPr>
-              <a:t> методика субъективной оценки рабочей нагрузки, которая включает шкалы умственной и физической нагрузки, временного давления и других факторов.</a:t>
+              <a:t> методика субъективной оценки рабочей нагрузки, которая включает шкалы умственной и физической нагрузки, временного давления и </a:t>
             </a:r>
+            <a:r>
+              <a:rPr lang="ru-RU" sz="2000" kern="100">
+                <a:effectLst/>
+                <a:latin typeface="Times New Roman" panose="02020603050405020304" pitchFamily="18" charset="0"/>
+                <a:ea typeface="Calibri" panose="020F0502020204030204" pitchFamily="34" charset="0"/>
+                <a:cs typeface="Times New Roman" panose="02020603050405020304" pitchFamily="18" charset="0"/>
+              </a:rPr>
+              <a:t>других факторов</a:t>
+            </a:r>
+            <a:endParaRPr lang="ru-RU" sz="2000" kern="100" dirty="0">
+              <a:effectLst/>
+              <a:latin typeface="Times New Roman" panose="02020603050405020304" pitchFamily="18" charset="0"/>
+              <a:ea typeface="Calibri" panose="020F0502020204030204" pitchFamily="34" charset="0"/>
+              <a:cs typeface="Times New Roman" panose="02020603050405020304" pitchFamily="18" charset="0"/>
+            </a:endParaRPr>
           </a:p>
         </p:txBody>
       </p:sp>

--- a/Диплом/Презентация/презентация Курнаев.pptx
+++ b/Диплом/Презентация/презентация Курнаев.pptx
@@ -2766,7 +2766,7 @@
 <dgm:dataModel xmlns:dgm="http://schemas.openxmlformats.org/drawingml/2006/diagram" xmlns:a="http://schemas.openxmlformats.org/drawingml/2006/main">
   <dgm:ptLst>
     <dgm:pt modelId="{D83B09D9-B372-4675-B8C8-F5FCC9B1DA90}" type="doc">
-      <dgm:prSet loTypeId="urn:microsoft.com/office/officeart/2008/layout/LinedList" loCatId="list" qsTypeId="urn:microsoft.com/office/officeart/2005/8/quickstyle/simple1" qsCatId="simple" csTypeId="urn:microsoft.com/office/officeart/2005/8/colors/accent1_1" csCatId="accent1"/>
+      <dgm:prSet loTypeId="urn:microsoft.com/office/officeart/2008/layout/LinedList" loCatId="list" qsTypeId="urn:microsoft.com/office/officeart/2005/8/quickstyle/simple1" qsCatId="simple" csTypeId="urn:microsoft.com/office/officeart/2005/8/colors/accent1_1" csCatId="accent1" phldr="1"/>
       <dgm:spPr/>
       <dgm:t>
         <a:bodyPr/>
@@ -2866,14 +2866,30 @@
         <a:lstStyle/>
         <a:p>
           <a:r>
-            <a:rPr lang="ru-RU" b="1"/>
+            <a:rPr lang="ru-RU" b="1" dirty="0" err="1"/>
             <a:t>SQLAlchemy</a:t>
           </a:r>
           <a:r>
-            <a:rPr lang="ru-RU"/>
-            <a:t>: ORM для работы с базой данных, позволяющая писать код на Python без необходимости написания сложных SQL-запросов.</a:t>
+            <a:rPr lang="ru-RU" dirty="0"/>
+            <a:t>: ORM</a:t>
           </a:r>
-          <a:endParaRPr lang="en-US"/>
+          <a:r>
+            <a:rPr lang="en-US" dirty="0"/>
+            <a:t> (</a:t>
+          </a:r>
+          <a:r>
+            <a:rPr lang="en-US" b="0" i="0" dirty="0"/>
+            <a:t>Object Relational Mapping</a:t>
+          </a:r>
+          <a:r>
+            <a:rPr lang="en-US" dirty="0"/>
+            <a:t>)</a:t>
+          </a:r>
+          <a:r>
+            <a:rPr lang="ru-RU" dirty="0"/>
+            <a:t> для работы с базой данных, позволяющая писать код на Python без необходимости написания SQL-запросов.</a:t>
+          </a:r>
+          <a:endParaRPr lang="en-US" dirty="0"/>
         </a:p>
       </dgm:t>
     </dgm:pt>
@@ -2907,14 +2923,22 @@
         <a:lstStyle/>
         <a:p>
           <a:r>
-            <a:rPr lang="ru-RU" b="1"/>
+            <a:rPr lang="ru-RU" b="1" dirty="0" err="1"/>
             <a:t>Tkinter</a:t>
           </a:r>
           <a:r>
-            <a:rPr lang="ru-RU"/>
-            <a:t>: Инструмент для создания графического интерфейса пользователя, который обеспечивает простоту разработки и кросс-платформенность.</a:t>
+            <a:rPr lang="ru-RU" dirty="0"/>
+            <a:t>: Инструмент для создания графического интерфейса пользователя, который обеспечивает простоту разработки и кросс-</a:t>
           </a:r>
-          <a:endParaRPr lang="en-US"/>
+          <a:r>
+            <a:rPr lang="ru-RU" dirty="0" err="1"/>
+            <a:t>платформенность</a:t>
+          </a:r>
+          <a:r>
+            <a:rPr lang="ru-RU" dirty="0"/>
+            <a:t>.</a:t>
+          </a:r>
+          <a:endParaRPr lang="en-US" dirty="0"/>
         </a:p>
       </dgm:t>
     </dgm:pt>
@@ -3302,7 +3326,7 @@
           </a:pPr>
           <a:r>
             <a:rPr lang="ru-RU" b="1" dirty="0"/>
-            <a:t>Этапы выполнения:</a:t>
+            <a:t>Этапы проведения:</a:t>
           </a:r>
           <a:endParaRPr lang="en-US" dirty="0"/>
         </a:p>
@@ -3343,10 +3367,10 @@
             </a:lnSpc>
           </a:pPr>
           <a:r>
-            <a:rPr lang="ru-RU"/>
+            <a:rPr lang="ru-RU" dirty="0"/>
             <a:t>Генерация случайных стимулов с задержкой 2–5 секунд.</a:t>
           </a:r>
-          <a:endParaRPr lang="en-US"/>
+          <a:endParaRPr lang="en-US" dirty="0"/>
         </a:p>
       </dgm:t>
     </dgm:pt>
@@ -3385,10 +3409,10 @@
             </a:lnSpc>
           </a:pPr>
           <a:r>
-            <a:rPr lang="ru-RU"/>
+            <a:rPr lang="ru-RU" dirty="0"/>
             <a:t>Фиксация времени реакции и сохранение в базе данных.</a:t>
           </a:r>
-          <a:endParaRPr lang="en-US"/>
+          <a:endParaRPr lang="en-US" dirty="0"/>
         </a:p>
       </dgm:t>
     </dgm:pt>
@@ -3427,10 +3451,10 @@
             </a:lnSpc>
           </a:pPr>
           <a:r>
-            <a:rPr lang="ru-RU"/>
+            <a:rPr lang="ru-RU" dirty="0"/>
             <a:t>Анализ результатов</a:t>
           </a:r>
-          <a:endParaRPr lang="en-US"/>
+          <a:endParaRPr lang="en-US" dirty="0"/>
         </a:p>
       </dgm:t>
     </dgm:pt>
@@ -3665,7 +3689,7 @@
       <dgm:spPr/>
     </dgm:pt>
     <dgm:pt modelId="{37B19B12-0897-4DC2-AA69-6AAF297848F2}" type="pres">
-      <dgm:prSet presAssocID="{88F012AE-0076-4223-93B0-421CE49223A8}" presName="bgRect" presStyleLbl="bgShp" presStyleIdx="4" presStyleCnt="6"/>
+      <dgm:prSet presAssocID="{88F012AE-0076-4223-93B0-421CE49223A8}" presName="bgRect" presStyleLbl="bgShp" presStyleIdx="4" presStyleCnt="6" custLinFactNeighborX="-48874" custLinFactNeighborY="665"/>
       <dgm:spPr/>
     </dgm:pt>
     <dgm:pt modelId="{2CC538AC-278A-49E3-B209-9E18D2AE31E4}" type="pres">
@@ -4611,14 +4635,30 @@
             <a:buNone/>
           </a:pPr>
           <a:r>
-            <a:rPr lang="ru-RU" sz="1600" b="1" kern="1200"/>
+            <a:rPr lang="ru-RU" sz="1600" b="1" kern="1200" dirty="0" err="1"/>
             <a:t>SQLAlchemy</a:t>
           </a:r>
           <a:r>
-            <a:rPr lang="ru-RU" sz="1600" kern="1200"/>
-            <a:t>: ORM для работы с базой данных, позволяющая писать код на Python без необходимости написания сложных SQL-запросов.</a:t>
+            <a:rPr lang="ru-RU" sz="1600" kern="1200" dirty="0"/>
+            <a:t>: ORM</a:t>
           </a:r>
-          <a:endParaRPr lang="en-US" sz="1600" kern="1200"/>
+          <a:r>
+            <a:rPr lang="en-US" sz="1600" kern="1200" dirty="0"/>
+            <a:t> (</a:t>
+          </a:r>
+          <a:r>
+            <a:rPr lang="en-US" sz="1600" b="0" i="0" kern="1200" dirty="0"/>
+            <a:t>Object Relational Mapping</a:t>
+          </a:r>
+          <a:r>
+            <a:rPr lang="en-US" sz="1600" kern="1200" dirty="0"/>
+            <a:t>)</a:t>
+          </a:r>
+          <a:r>
+            <a:rPr lang="ru-RU" sz="1600" kern="1200" dirty="0"/>
+            <a:t> для работы с базой данных, позволяющая писать код на Python без необходимости написания SQL-запросов.</a:t>
+          </a:r>
+          <a:endParaRPr lang="en-US" sz="1600" kern="1200" dirty="0"/>
         </a:p>
       </dsp:txBody>
       <dsp:txXfrm>
@@ -4726,14 +4766,22 @@
             <a:buNone/>
           </a:pPr>
           <a:r>
-            <a:rPr lang="ru-RU" sz="1600" b="1" kern="1200"/>
+            <a:rPr lang="ru-RU" sz="1600" b="1" kern="1200" dirty="0" err="1"/>
             <a:t>Tkinter</a:t>
           </a:r>
           <a:r>
-            <a:rPr lang="ru-RU" sz="1600" kern="1200"/>
-            <a:t>: Инструмент для создания графического интерфейса пользователя, который обеспечивает простоту разработки и кросс-платформенность.</a:t>
+            <a:rPr lang="ru-RU" sz="1600" kern="1200" dirty="0"/>
+            <a:t>: Инструмент для создания графического интерфейса пользователя, который обеспечивает простоту разработки и кросс-</a:t>
           </a:r>
-          <a:endParaRPr lang="en-US" sz="1600" kern="1200"/>
+          <a:r>
+            <a:rPr lang="ru-RU" sz="1600" kern="1200" dirty="0" err="1"/>
+            <a:t>платформенность</a:t>
+          </a:r>
+          <a:r>
+            <a:rPr lang="ru-RU" sz="1600" kern="1200" dirty="0"/>
+            <a:t>.</a:t>
+          </a:r>
+          <a:endParaRPr lang="en-US" sz="1600" kern="1200" dirty="0"/>
         </a:p>
       </dsp:txBody>
       <dsp:txXfrm>
@@ -5462,7 +5510,7 @@
           </a:pPr>
           <a:r>
             <a:rPr lang="ru-RU" sz="1500" b="1" kern="1200" dirty="0"/>
-            <a:t>Этапы выполнения:</a:t>
+            <a:t>Этапы проведения:</a:t>
           </a:r>
           <a:endParaRPr lang="en-US" sz="1500" kern="1200" dirty="0"/>
         </a:p>
@@ -5620,10 +5668,10 @@
             <a:buNone/>
           </a:pPr>
           <a:r>
-            <a:rPr lang="ru-RU" sz="1500" kern="1200"/>
+            <a:rPr lang="ru-RU" sz="1500" kern="1200" dirty="0"/>
             <a:t>Генерация случайных стимулов с задержкой 2–5 секунд.</a:t>
           </a:r>
-          <a:endParaRPr lang="en-US" sz="1500" kern="1200"/>
+          <a:endParaRPr lang="en-US" sz="1500" kern="1200" dirty="0"/>
         </a:p>
       </dsp:txBody>
       <dsp:txXfrm>
@@ -5638,7 +5686,7 @@
       </dsp:nvSpPr>
       <dsp:spPr>
         <a:xfrm>
-          <a:off x="0" y="3120798"/>
+          <a:off x="0" y="3124947"/>
           <a:ext cx="8229600" cy="623866"/>
         </a:xfrm>
         <a:prstGeom prst="roundRect">
@@ -5779,10 +5827,10 @@
             <a:buNone/>
           </a:pPr>
           <a:r>
-            <a:rPr lang="ru-RU" sz="1500" kern="1200"/>
+            <a:rPr lang="ru-RU" sz="1500" kern="1200" dirty="0"/>
             <a:t>Фиксация времени реакции и сохранение в базе данных.</a:t>
           </a:r>
-          <a:endParaRPr lang="en-US" sz="1500" kern="1200"/>
+          <a:endParaRPr lang="en-US" sz="1500" kern="1200" dirty="0"/>
         </a:p>
       </dsp:txBody>
       <dsp:txXfrm>
@@ -5938,10 +5986,10 @@
             <a:buNone/>
           </a:pPr>
           <a:r>
-            <a:rPr lang="ru-RU" sz="1500" kern="1200"/>
+            <a:rPr lang="ru-RU" sz="1500" kern="1200" dirty="0"/>
             <a:t>Анализ результатов</a:t>
           </a:r>
-          <a:endParaRPr lang="en-US" sz="1500" kern="1200"/>
+          <a:endParaRPr lang="en-US" sz="1500" kern="1200" dirty="0"/>
         </a:p>
       </dsp:txBody>
       <dsp:txXfrm>
@@ -10363,7 +10411,7 @@
           <a:p>
             <a:fld id="{CEEE53A6-6A73-4C2C-933D-2A50EAF26E83}" type="datetimeFigureOut">
               <a:rPr lang="ru-RU" smtClean="0"/>
-              <a:t>09.01.2025</a:t>
+              <a:t>12.01.2025</a:t>
             </a:fld>
             <a:endParaRPr lang="ru-RU"/>
           </a:p>
@@ -10809,7 +10857,7 @@
           <a:p>
             <a:fld id="{D4FFA7B7-AE5A-4D83-AB8B-C2450B01BD89}" type="datetime1">
               <a:rPr lang="ru-RU" smtClean="0"/>
-              <a:t>09.01.2025</a:t>
+              <a:t>12.01.2025</a:t>
             </a:fld>
             <a:endParaRPr lang="ru-RU"/>
           </a:p>
@@ -10972,7 +11020,7 @@
           <a:p>
             <a:fld id="{784152ED-6F52-4DF7-B37F-72D10FD69CD3}" type="datetime1">
               <a:rPr lang="ru-RU" smtClean="0"/>
-              <a:t>09.01.2025</a:t>
+              <a:t>12.01.2025</a:t>
             </a:fld>
             <a:endParaRPr lang="ru-RU"/>
           </a:p>
@@ -11145,7 +11193,7 @@
           <a:p>
             <a:fld id="{328BDE59-0209-42AE-8CEE-4496675A30A4}" type="datetime1">
               <a:rPr lang="ru-RU" smtClean="0"/>
-              <a:t>09.01.2025</a:t>
+              <a:t>12.01.2025</a:t>
             </a:fld>
             <a:endParaRPr lang="ru-RU"/>
           </a:p>
@@ -11308,7 +11356,7 @@
           <a:p>
             <a:fld id="{FD514211-C034-4FA7-9428-9172B1A194B4}" type="datetime1">
               <a:rPr lang="ru-RU" smtClean="0"/>
-              <a:t>09.01.2025</a:t>
+              <a:t>12.01.2025</a:t>
             </a:fld>
             <a:endParaRPr lang="ru-RU"/>
           </a:p>
@@ -11548,7 +11596,7 @@
           <a:p>
             <a:fld id="{E3A3E886-F46B-4038-9694-86ED4C48BB8F}" type="datetime1">
               <a:rPr lang="ru-RU" smtClean="0"/>
-              <a:t>09.01.2025</a:t>
+              <a:t>12.01.2025</a:t>
             </a:fld>
             <a:endParaRPr lang="ru-RU"/>
           </a:p>
@@ -11828,7 +11876,7 @@
           <a:p>
             <a:fld id="{8AA06A81-C53F-465D-8398-8167CB5D769B}" type="datetime1">
               <a:rPr lang="ru-RU" smtClean="0"/>
-              <a:t>09.01.2025</a:t>
+              <a:t>12.01.2025</a:t>
             </a:fld>
             <a:endParaRPr lang="ru-RU"/>
           </a:p>
@@ -12242,7 +12290,7 @@
           <a:p>
             <a:fld id="{38D0E27B-406C-4F91-AEA0-36DC22F83F87}" type="datetime1">
               <a:rPr lang="ru-RU" smtClean="0"/>
-              <a:t>09.01.2025</a:t>
+              <a:t>12.01.2025</a:t>
             </a:fld>
             <a:endParaRPr lang="ru-RU"/>
           </a:p>
@@ -12354,7 +12402,7 @@
           <a:p>
             <a:fld id="{11CB0E06-3C4C-4AD8-BD93-A1AE8AB55DC4}" type="datetime1">
               <a:rPr lang="ru-RU" smtClean="0"/>
-              <a:t>09.01.2025</a:t>
+              <a:t>12.01.2025</a:t>
             </a:fld>
             <a:endParaRPr lang="ru-RU"/>
           </a:p>
@@ -12444,7 +12492,7 @@
           <a:p>
             <a:fld id="{33D8FEDF-778D-4B04-9D34-51AE9C345153}" type="datetime1">
               <a:rPr lang="ru-RU" smtClean="0"/>
-              <a:t>09.01.2025</a:t>
+              <a:t>12.01.2025</a:t>
             </a:fld>
             <a:endParaRPr lang="ru-RU"/>
           </a:p>
@@ -12714,7 +12762,7 @@
           <a:p>
             <a:fld id="{54C84671-9D55-47EA-AD45-031619948EFB}" type="datetime1">
               <a:rPr lang="ru-RU" smtClean="0"/>
-              <a:t>09.01.2025</a:t>
+              <a:t>12.01.2025</a:t>
             </a:fld>
             <a:endParaRPr lang="ru-RU"/>
           </a:p>
@@ -12961,7 +13009,7 @@
           <a:p>
             <a:fld id="{849CF7DF-BEBA-4746-8805-AB224F6D047A}" type="datetime1">
               <a:rPr lang="ru-RU" smtClean="0"/>
-              <a:t>09.01.2025</a:t>
+              <a:t>12.01.2025</a:t>
             </a:fld>
             <a:endParaRPr lang="ru-RU"/>
           </a:p>
@@ -13167,7 +13215,7 @@
           <a:p>
             <a:fld id="{5E79E07B-9DED-4EEB-9C34-49485B2DFA0A}" type="datetime1">
               <a:rPr lang="ru-RU" smtClean="0"/>
-              <a:t>09.01.2025</a:t>
+              <a:t>12.01.2025</a:t>
             </a:fld>
             <a:endParaRPr lang="ru-RU"/>
           </a:p>
@@ -14252,7 +14300,13 @@
               </a:spcAft>
             </a:pPr>
             <a:fld id="{B19B0651-EE4F-4900-A07F-96A6BFA9D0F0}" type="slidenum">
-              <a:rPr lang="ru-RU" smtClean="0"/>
+              <a:rPr lang="ru-RU" sz="1400">
+                <a:solidFill>
+                  <a:schemeClr val="tx1"/>
+                </a:solidFill>
+                <a:latin typeface="Times New Roman" panose="02020603050405020304" pitchFamily="18" charset="0"/>
+                <a:cs typeface="Times New Roman" panose="02020603050405020304" pitchFamily="18" charset="0"/>
+              </a:rPr>
               <a:pPr>
                 <a:spcAft>
                   <a:spcPts val="600"/>
@@ -14260,7 +14314,13 @@
               </a:pPr>
               <a:t>10</a:t>
             </a:fld>
-            <a:endParaRPr lang="ru-RU"/>
+            <a:endParaRPr lang="ru-RU" sz="1400" dirty="0">
+              <a:solidFill>
+                <a:schemeClr val="tx1"/>
+              </a:solidFill>
+              <a:latin typeface="Times New Roman" panose="02020603050405020304" pitchFamily="18" charset="0"/>
+              <a:cs typeface="Times New Roman" panose="02020603050405020304" pitchFamily="18" charset="0"/>
+            </a:endParaRPr>
           </a:p>
         </p:txBody>
       </p:sp>
@@ -15208,10 +15268,22 @@
           <a:lstStyle/>
           <a:p>
             <a:fld id="{B19B0651-EE4F-4900-A07F-96A6BFA9D0F0}" type="slidenum">
-              <a:rPr lang="ru-RU" smtClean="0"/>
+              <a:rPr lang="ru-RU" sz="1400">
+                <a:solidFill>
+                  <a:schemeClr val="tx1"/>
+                </a:solidFill>
+                <a:latin typeface="Times New Roman" panose="02020603050405020304" pitchFamily="18" charset="0"/>
+                <a:cs typeface="Times New Roman" panose="02020603050405020304" pitchFamily="18" charset="0"/>
+              </a:rPr>
               <a:t>11</a:t>
             </a:fld>
-            <a:endParaRPr lang="ru-RU"/>
+            <a:endParaRPr lang="ru-RU" sz="1400" dirty="0">
+              <a:solidFill>
+                <a:schemeClr val="tx1"/>
+              </a:solidFill>
+              <a:latin typeface="Times New Roman" panose="02020603050405020304" pitchFamily="18" charset="0"/>
+              <a:cs typeface="Times New Roman" panose="02020603050405020304" pitchFamily="18" charset="0"/>
+            </a:endParaRPr>
           </a:p>
         </p:txBody>
       </p:sp>
@@ -15531,7 +15603,7 @@
           <a:lstStyle/>
           <a:p>
             <a:r>
-              <a:rPr lang="ru-RU" sz="2800" b="1">
+              <a:rPr lang="ru-RU" sz="2800" b="1" dirty="0">
                 <a:solidFill>
                   <a:srgbClr val="0070C0"/>
                 </a:solidFill>
@@ -15541,7 +15613,7 @@
               <a:t>Реализация </a:t>
             </a:r>
             <a:r>
-              <a:rPr lang="en-US" sz="2800" b="1">
+              <a:rPr lang="en-US" sz="2800" b="1" dirty="0">
                 <a:solidFill>
                   <a:srgbClr val="0070C0"/>
                 </a:solidFill>
@@ -15583,15 +15655,27 @@
           <a:lstStyle/>
           <a:p>
             <a:fld id="{B19B0651-EE4F-4900-A07F-96A6BFA9D0F0}" type="slidenum">
-              <a:rPr lang="ru-RU" smtClean="0"/>
+              <a:rPr lang="ru-RU" sz="1400" smtClean="0">
+                <a:solidFill>
+                  <a:schemeClr val="tx1"/>
+                </a:solidFill>
+                <a:latin typeface="Times New Roman" panose="02020603050405020304" pitchFamily="18" charset="0"/>
+                <a:cs typeface="Times New Roman" panose="02020603050405020304" pitchFamily="18" charset="0"/>
+              </a:rPr>
               <a:t>12</a:t>
             </a:fld>
-            <a:endParaRPr lang="ru-RU"/>
+            <a:endParaRPr lang="ru-RU" dirty="0">
+              <a:solidFill>
+                <a:schemeClr val="tx1"/>
+              </a:solidFill>
+              <a:latin typeface="Times New Roman" panose="02020603050405020304" pitchFamily="18" charset="0"/>
+              <a:cs typeface="Times New Roman" panose="02020603050405020304" pitchFamily="18" charset="0"/>
+            </a:endParaRPr>
           </a:p>
         </p:txBody>
       </p:sp>
-      <mc:AlternateContent xmlns:mc="http://schemas.openxmlformats.org/markup-compatibility/2006" xmlns:a14="http://schemas.microsoft.com/office/drawing/2010/main">
-        <mc:Choice Requires="a14">
+      <mc:AlternateContent xmlns:mc="http://schemas.openxmlformats.org/markup-compatibility/2006">
+        <mc:Choice xmlns:a14="http://schemas.microsoft.com/office/drawing/2010/main" Requires="a14">
           <p:sp>
             <p:nvSpPr>
               <p:cNvPr id="7" name="Объект 6">
@@ -16129,7 +16213,7 @@
                     <a:latin typeface="Times New Roman" panose="02020603050405020304" pitchFamily="18" charset="0"/>
                     <a:cs typeface="Times New Roman" panose="02020603050405020304" pitchFamily="18" charset="0"/>
                   </a:rPr>
-                  <a:t>n — количество шкал (в данном случае n=6n = 6n=6)</a:t>
+                  <a:t>n — количество шкал (в данном случае n = 6)</a:t>
                 </a:r>
                 <a:r>
                   <a:rPr lang="en-US" sz="1600" dirty="0">
@@ -16267,8 +16351,11 @@
                     <a:tab pos="1371600" algn="l"/>
                   </a:tabLst>
                 </a:pPr>
-                <a:endParaRPr lang="en-US" sz="1100" i="1" dirty="0">
-                  <a:latin typeface="Cambria Math" panose="02040503050406030204" pitchFamily="18" charset="0"/>
+                <a:endParaRPr lang="en-US" sz="1500" dirty="0">
+                  <a:solidFill>
+                    <a:schemeClr val="tx1"/>
+                  </a:solidFill>
+                  <a:latin typeface="Times New Roman" panose="02020603050405020304" pitchFamily="18" charset="0"/>
                   <a:cs typeface="Times New Roman" panose="02020603050405020304" pitchFamily="18" charset="0"/>
                 </a:endParaRPr>
               </a:p>
@@ -16323,7 +16410,7 @@
             </p:txBody>
           </p:sp>
         </mc:Choice>
-        <mc:Fallback xmlns="">
+        <mc:Fallback>
           <p:sp>
             <p:nvSpPr>
               <p:cNvPr id="7" name="Объект 6">
@@ -16495,7 +16582,13 @@
               </a:spcAft>
             </a:pPr>
             <a:fld id="{B19B0651-EE4F-4900-A07F-96A6BFA9D0F0}" type="slidenum">
-              <a:rPr lang="ru-RU" smtClean="0"/>
+              <a:rPr lang="ru-RU" sz="1400">
+                <a:solidFill>
+                  <a:schemeClr val="tx1"/>
+                </a:solidFill>
+                <a:latin typeface="Times New Roman" panose="02020603050405020304" pitchFamily="18" charset="0"/>
+                <a:cs typeface="Times New Roman" panose="02020603050405020304" pitchFamily="18" charset="0"/>
+              </a:rPr>
               <a:pPr>
                 <a:spcAft>
                   <a:spcPts val="600"/>
@@ -16503,7 +16596,13 @@
               </a:pPr>
               <a:t>13</a:t>
             </a:fld>
-            <a:endParaRPr lang="ru-RU"/>
+            <a:endParaRPr lang="ru-RU" sz="1400" dirty="0">
+              <a:solidFill>
+                <a:schemeClr val="tx1"/>
+              </a:solidFill>
+              <a:latin typeface="Times New Roman" panose="02020603050405020304" pitchFamily="18" charset="0"/>
+              <a:cs typeface="Times New Roman" panose="02020603050405020304" pitchFamily="18" charset="0"/>
+            </a:endParaRPr>
           </a:p>
         </p:txBody>
       </p:sp>
@@ -17535,10 +17634,22 @@
           <a:lstStyle/>
           <a:p>
             <a:fld id="{B19B0651-EE4F-4900-A07F-96A6BFA9D0F0}" type="slidenum">
-              <a:rPr lang="ru-RU" smtClean="0"/>
+              <a:rPr lang="ru-RU" sz="1400">
+                <a:solidFill>
+                  <a:schemeClr val="tx1"/>
+                </a:solidFill>
+                <a:latin typeface="Times New Roman" panose="02020603050405020304" pitchFamily="18" charset="0"/>
+                <a:cs typeface="Times New Roman" panose="02020603050405020304" pitchFamily="18" charset="0"/>
+              </a:rPr>
               <a:t>14</a:t>
             </a:fld>
-            <a:endParaRPr lang="ru-RU"/>
+            <a:endParaRPr lang="ru-RU" sz="1400" dirty="0">
+              <a:solidFill>
+                <a:schemeClr val="tx1"/>
+              </a:solidFill>
+              <a:latin typeface="Times New Roman" panose="02020603050405020304" pitchFamily="18" charset="0"/>
+              <a:cs typeface="Times New Roman" panose="02020603050405020304" pitchFamily="18" charset="0"/>
+            </a:endParaRPr>
           </a:p>
         </p:txBody>
       </p:sp>
@@ -17775,10 +17886,22 @@
           <a:lstStyle/>
           <a:p>
             <a:fld id="{B19B0651-EE4F-4900-A07F-96A6BFA9D0F0}" type="slidenum">
-              <a:rPr lang="ru-RU" smtClean="0"/>
+              <a:rPr lang="ru-RU" sz="1400">
+                <a:solidFill>
+                  <a:schemeClr val="tx1"/>
+                </a:solidFill>
+                <a:latin typeface="Times New Roman" panose="02020603050405020304" pitchFamily="18" charset="0"/>
+                <a:cs typeface="Times New Roman" panose="02020603050405020304" pitchFamily="18" charset="0"/>
+              </a:rPr>
               <a:t>15</a:t>
             </a:fld>
-            <a:endParaRPr lang="ru-RU"/>
+            <a:endParaRPr lang="ru-RU" sz="1400" dirty="0">
+              <a:solidFill>
+                <a:schemeClr val="tx1"/>
+              </a:solidFill>
+              <a:latin typeface="Times New Roman" panose="02020603050405020304" pitchFamily="18" charset="0"/>
+              <a:cs typeface="Times New Roman" panose="02020603050405020304" pitchFamily="18" charset="0"/>
+            </a:endParaRPr>
           </a:p>
         </p:txBody>
       </p:sp>
@@ -18351,7 +18474,7 @@
                 <a:latin typeface="Times New Roman" panose="02020603050405020304" pitchFamily="18" charset="0"/>
                 <a:ea typeface="Calibri" panose="020F0502020204030204" pitchFamily="34" charset="0"/>
               </a:rPr>
-              <a:t>Провести интеграцию разработанной системы со стендом</a:t>
+              <a:t>Провести интеграцию разработанной системы со стендом прототипирования</a:t>
             </a:r>
           </a:p>
           <a:p>
@@ -18843,7 +18966,7 @@
         </p:nvSpPr>
         <p:spPr>
           <a:xfrm>
-            <a:off x="6553200" y="6356350"/>
+            <a:off x="6553200" y="6339022"/>
             <a:ext cx="2133600" cy="365125"/>
           </a:xfrm>
         </p:spPr>
@@ -18859,7 +18982,13 @@
               </a:spcAft>
             </a:pPr>
             <a:fld id="{B19B0651-EE4F-4900-A07F-96A6BFA9D0F0}" type="slidenum">
-              <a:rPr lang="ru-RU" smtClean="0"/>
+              <a:rPr lang="ru-RU" sz="1400" smtClean="0">
+                <a:solidFill>
+                  <a:schemeClr val="tx1"/>
+                </a:solidFill>
+                <a:latin typeface="Times New Roman" panose="02020603050405020304" pitchFamily="18" charset="0"/>
+                <a:cs typeface="Times New Roman" panose="02020603050405020304" pitchFamily="18" charset="0"/>
+              </a:rPr>
               <a:pPr>
                 <a:spcAft>
                   <a:spcPts val="600"/>
@@ -18867,7 +18996,13 @@
               </a:pPr>
               <a:t>6</a:t>
             </a:fld>
-            <a:endParaRPr lang="ru-RU" dirty="0"/>
+            <a:endParaRPr lang="ru-RU" sz="1400" dirty="0">
+              <a:solidFill>
+                <a:schemeClr val="tx1"/>
+              </a:solidFill>
+              <a:latin typeface="Times New Roman" panose="02020603050405020304" pitchFamily="18" charset="0"/>
+              <a:cs typeface="Times New Roman" panose="02020603050405020304" pitchFamily="18" charset="0"/>
+            </a:endParaRPr>
           </a:p>
         </p:txBody>
       </p:sp>
@@ -19011,7 +19146,13 @@
               </a:spcAft>
             </a:pPr>
             <a:fld id="{B19B0651-EE4F-4900-A07F-96A6BFA9D0F0}" type="slidenum">
-              <a:rPr lang="ru-RU" smtClean="0"/>
+              <a:rPr lang="ru-RU" sz="1400">
+                <a:solidFill>
+                  <a:schemeClr val="tx1"/>
+                </a:solidFill>
+                <a:latin typeface="Times New Roman" panose="02020603050405020304" pitchFamily="18" charset="0"/>
+                <a:cs typeface="Times New Roman" panose="02020603050405020304" pitchFamily="18" charset="0"/>
+              </a:rPr>
               <a:pPr>
                 <a:spcAft>
                   <a:spcPts val="600"/>
@@ -19019,7 +19160,13 @@
               </a:pPr>
               <a:t>7</a:t>
             </a:fld>
-            <a:endParaRPr lang="ru-RU" dirty="0"/>
+            <a:endParaRPr lang="ru-RU" sz="1400" dirty="0">
+              <a:solidFill>
+                <a:schemeClr val="tx1"/>
+              </a:solidFill>
+              <a:latin typeface="Times New Roman" panose="02020603050405020304" pitchFamily="18" charset="0"/>
+              <a:cs typeface="Times New Roman" panose="02020603050405020304" pitchFamily="18" charset="0"/>
+            </a:endParaRPr>
           </a:p>
         </p:txBody>
       </p:sp>
@@ -19197,7 +19344,13 @@
               </a:spcAft>
             </a:pPr>
             <a:fld id="{B19B0651-EE4F-4900-A07F-96A6BFA9D0F0}" type="slidenum">
-              <a:rPr lang="ru-RU" smtClean="0"/>
+              <a:rPr lang="ru-RU" sz="1400">
+                <a:solidFill>
+                  <a:schemeClr val="tx1"/>
+                </a:solidFill>
+                <a:latin typeface="Times New Roman" panose="02020603050405020304" pitchFamily="18" charset="0"/>
+                <a:cs typeface="Times New Roman" panose="02020603050405020304" pitchFamily="18" charset="0"/>
+              </a:rPr>
               <a:pPr>
                 <a:spcAft>
                   <a:spcPts val="600"/>
@@ -19205,7 +19358,13 @@
               </a:pPr>
               <a:t>8</a:t>
             </a:fld>
-            <a:endParaRPr lang="ru-RU"/>
+            <a:endParaRPr lang="ru-RU" sz="1400" dirty="0">
+              <a:solidFill>
+                <a:schemeClr val="tx1"/>
+              </a:solidFill>
+              <a:latin typeface="Times New Roman" panose="02020603050405020304" pitchFamily="18" charset="0"/>
+              <a:cs typeface="Times New Roman" panose="02020603050405020304" pitchFamily="18" charset="0"/>
+            </a:endParaRPr>
           </a:p>
         </p:txBody>
       </p:sp>
@@ -19225,7 +19384,7 @@
             <p:ph idx="1"/>
             <p:extLst>
               <p:ext uri="{D42A27DB-BD31-4B8C-83A1-F6EECF244321}">
-                <p14:modId xmlns:p14="http://schemas.microsoft.com/office/powerpoint/2010/main" val="3948575921"/>
+                <p14:modId xmlns:p14="http://schemas.microsoft.com/office/powerpoint/2010/main" val="754775577"/>
               </p:ext>
             </p:extLst>
           </p:nvPr>
@@ -19350,7 +19509,13 @@
               </a:spcAft>
             </a:pPr>
             <a:fld id="{B19B0651-EE4F-4900-A07F-96A6BFA9D0F0}" type="slidenum">
-              <a:rPr lang="ru-RU" smtClean="0"/>
+              <a:rPr lang="ru-RU" sz="1400">
+                <a:solidFill>
+                  <a:schemeClr val="tx1"/>
+                </a:solidFill>
+                <a:latin typeface="Times New Roman" panose="02020603050405020304" pitchFamily="18" charset="0"/>
+                <a:cs typeface="Times New Roman" panose="02020603050405020304" pitchFamily="18" charset="0"/>
+              </a:rPr>
               <a:pPr>
                 <a:spcAft>
                   <a:spcPts val="600"/>
@@ -19358,7 +19523,13 @@
               </a:pPr>
               <a:t>9</a:t>
             </a:fld>
-            <a:endParaRPr lang="ru-RU"/>
+            <a:endParaRPr lang="ru-RU" sz="1400" dirty="0">
+              <a:solidFill>
+                <a:schemeClr val="tx1"/>
+              </a:solidFill>
+              <a:latin typeface="Times New Roman" panose="02020603050405020304" pitchFamily="18" charset="0"/>
+              <a:cs typeface="Times New Roman" panose="02020603050405020304" pitchFamily="18" charset="0"/>
+            </a:endParaRPr>
           </a:p>
         </p:txBody>
       </p:sp>
@@ -19378,7 +19549,7 @@
             <p:ph idx="1"/>
             <p:extLst>
               <p:ext uri="{D42A27DB-BD31-4B8C-83A1-F6EECF244321}">
-                <p14:modId xmlns:p14="http://schemas.microsoft.com/office/powerpoint/2010/main" val="1262046219"/>
+                <p14:modId xmlns:p14="http://schemas.microsoft.com/office/powerpoint/2010/main" val="73522437"/>
               </p:ext>
             </p:extLst>
           </p:nvPr>

--- a/Диплом/Презентация/презентация Курнаев.pptx
+++ b/Диплом/Презентация/презентация Курнаев.pptx
@@ -13596,8 +13596,8 @@
         </p:nvSpPr>
         <p:spPr>
           <a:xfrm>
-            <a:off x="467544" y="1988840"/>
-            <a:ext cx="8352928" cy="1635819"/>
+            <a:off x="467544" y="2113654"/>
+            <a:ext cx="8352928" cy="1347785"/>
           </a:xfrm>
           <a:prstGeom prst="rect">
             <a:avLst/>
@@ -13632,18 +13632,12 @@
                 <a:spcPts val="800"/>
               </a:spcAft>
             </a:pPr>
-            <a:br>
-              <a:rPr lang="ru-RU" sz="2800" u="sng" dirty="0">
-                <a:latin typeface="Times New Roman" panose="02020603050405020304" pitchFamily="18" charset="0"/>
-                <a:cs typeface="Times New Roman" panose="02020603050405020304" pitchFamily="18" charset="0"/>
-              </a:rPr>
-            </a:br>
             <a:r>
               <a:rPr lang="ru-RU" sz="2800" dirty="0">
                 <a:latin typeface="Times New Roman" panose="02020603050405020304" pitchFamily="18" charset="0"/>
                 <a:cs typeface="Times New Roman" panose="02020603050405020304" pitchFamily="18" charset="0"/>
               </a:rPr>
-              <a:t>	Разработка программное обеспечение и методику для эргономической оценки кабины самолета на основе теста психомоторной бдительности, методики PVT и NASA-TLX</a:t>
+              <a:t>Разработка системы эргономической оценки кабины самолета на основе теста психомоторной бдительности, методики PVT и NASA-TLX</a:t>
             </a:r>
           </a:p>
         </p:txBody>
@@ -14078,7 +14072,7 @@
         </p:nvCxnSpPr>
         <p:spPr>
           <a:xfrm flipH="1">
-            <a:off x="395536" y="3716734"/>
+            <a:off x="395536" y="3645024"/>
             <a:ext cx="8352928" cy="0"/>
           </a:xfrm>
           <a:prstGeom prst="line">
@@ -15674,8 +15668,8 @@
           </a:p>
         </p:txBody>
       </p:sp>
-      <mc:AlternateContent xmlns:mc="http://schemas.openxmlformats.org/markup-compatibility/2006">
-        <mc:Choice xmlns:a14="http://schemas.microsoft.com/office/drawing/2010/main" Requires="a14">
+      <mc:AlternateContent xmlns:mc="http://schemas.openxmlformats.org/markup-compatibility/2006" xmlns:a14="http://schemas.microsoft.com/office/drawing/2010/main">
+        <mc:Choice Requires="a14">
           <p:sp>
             <p:nvSpPr>
               <p:cNvPr id="7" name="Объект 6">
@@ -16410,7 +16404,7 @@
             </p:txBody>
           </p:sp>
         </mc:Choice>
-        <mc:Fallback>
+        <mc:Fallback xmlns="">
           <p:sp>
             <p:nvSpPr>
               <p:cNvPr id="7" name="Объект 6">
